--- a/docs/FIGURE/DiffInDiff/DiffInDiff.pptx
+++ b/docs/FIGURE/DiffInDiff/DiffInDiff.pptx
@@ -244,7 +244,7 @@
           <a:p>
             <a:fld id="{23F529E9-E3AD-42B3-AF4D-86F77E4AD1E1}" type="datetimeFigureOut">
               <a:rPr lang="en-US" smtClean="0"/>
-              <a:t>2/18/2019</a:t>
+              <a:t>3/29/2020</a:t>
             </a:fld>
             <a:endParaRPr lang="en-US"/>
           </a:p>
@@ -412,7 +412,7 @@
           <a:p>
             <a:fld id="{23F529E9-E3AD-42B3-AF4D-86F77E4AD1E1}" type="datetimeFigureOut">
               <a:rPr lang="en-US" smtClean="0"/>
-              <a:t>2/18/2019</a:t>
+              <a:t>3/29/2020</a:t>
             </a:fld>
             <a:endParaRPr lang="en-US"/>
           </a:p>
@@ -590,7 +590,7 @@
           <a:p>
             <a:fld id="{23F529E9-E3AD-42B3-AF4D-86F77E4AD1E1}" type="datetimeFigureOut">
               <a:rPr lang="en-US" smtClean="0"/>
-              <a:t>2/18/2019</a:t>
+              <a:t>3/29/2020</a:t>
             </a:fld>
             <a:endParaRPr lang="en-US"/>
           </a:p>
@@ -758,7 +758,7 @@
           <a:p>
             <a:fld id="{23F529E9-E3AD-42B3-AF4D-86F77E4AD1E1}" type="datetimeFigureOut">
               <a:rPr lang="en-US" smtClean="0"/>
-              <a:t>2/18/2019</a:t>
+              <a:t>3/29/2020</a:t>
             </a:fld>
             <a:endParaRPr lang="en-US"/>
           </a:p>
@@ -1003,7 +1003,7 @@
           <a:p>
             <a:fld id="{23F529E9-E3AD-42B3-AF4D-86F77E4AD1E1}" type="datetimeFigureOut">
               <a:rPr lang="en-US" smtClean="0"/>
-              <a:t>2/18/2019</a:t>
+              <a:t>3/29/2020</a:t>
             </a:fld>
             <a:endParaRPr lang="en-US"/>
           </a:p>
@@ -1232,7 +1232,7 @@
           <a:p>
             <a:fld id="{23F529E9-E3AD-42B3-AF4D-86F77E4AD1E1}" type="datetimeFigureOut">
               <a:rPr lang="en-US" smtClean="0"/>
-              <a:t>2/18/2019</a:t>
+              <a:t>3/29/2020</a:t>
             </a:fld>
             <a:endParaRPr lang="en-US"/>
           </a:p>
@@ -1596,7 +1596,7 @@
           <a:p>
             <a:fld id="{23F529E9-E3AD-42B3-AF4D-86F77E4AD1E1}" type="datetimeFigureOut">
               <a:rPr lang="en-US" smtClean="0"/>
-              <a:t>2/18/2019</a:t>
+              <a:t>3/29/2020</a:t>
             </a:fld>
             <a:endParaRPr lang="en-US"/>
           </a:p>
@@ -1713,7 +1713,7 @@
           <a:p>
             <a:fld id="{23F529E9-E3AD-42B3-AF4D-86F77E4AD1E1}" type="datetimeFigureOut">
               <a:rPr lang="en-US" smtClean="0"/>
-              <a:t>2/18/2019</a:t>
+              <a:t>3/29/2020</a:t>
             </a:fld>
             <a:endParaRPr lang="en-US"/>
           </a:p>
@@ -1808,7 +1808,7 @@
           <a:p>
             <a:fld id="{23F529E9-E3AD-42B3-AF4D-86F77E4AD1E1}" type="datetimeFigureOut">
               <a:rPr lang="en-US" smtClean="0"/>
-              <a:t>2/18/2019</a:t>
+              <a:t>3/29/2020</a:t>
             </a:fld>
             <a:endParaRPr lang="en-US"/>
           </a:p>
@@ -2083,7 +2083,7 @@
           <a:p>
             <a:fld id="{23F529E9-E3AD-42B3-AF4D-86F77E4AD1E1}" type="datetimeFigureOut">
               <a:rPr lang="en-US" smtClean="0"/>
-              <a:t>2/18/2019</a:t>
+              <a:t>3/29/2020</a:t>
             </a:fld>
             <a:endParaRPr lang="en-US"/>
           </a:p>
@@ -2335,7 +2335,7 @@
           <a:p>
             <a:fld id="{23F529E9-E3AD-42B3-AF4D-86F77E4AD1E1}" type="datetimeFigureOut">
               <a:rPr lang="en-US" smtClean="0"/>
-              <a:t>2/18/2019</a:t>
+              <a:t>3/29/2020</a:t>
             </a:fld>
             <a:endParaRPr lang="en-US"/>
           </a:p>
@@ -2546,7 +2546,7 @@
           <a:p>
             <a:fld id="{23F529E9-E3AD-42B3-AF4D-86F77E4AD1E1}" type="datetimeFigureOut">
               <a:rPr lang="en-US" smtClean="0"/>
-              <a:t>2/18/2019</a:t>
+              <a:t>3/29/2020</a:t>
             </a:fld>
             <a:endParaRPr lang="en-US"/>
           </a:p>
@@ -3599,7 +3599,7 @@
           <p:nvPr>
             <p:extLst>
               <p:ext uri="{D42A27DB-BD31-4B8C-83A1-F6EECF244321}">
-                <p14:modId xmlns:p14="http://schemas.microsoft.com/office/powerpoint/2010/main" val="32589434"/>
+                <p14:modId xmlns:p14="http://schemas.microsoft.com/office/powerpoint/2010/main" val="2258648086"/>
               </p:ext>
             </p:extLst>
           </p:nvPr>
@@ -3947,7 +3947,7 @@
                       <a:pPr algn="ctr"/>
                       <a:r>
                         <a:rPr lang="en-US" dirty="0"/>
-                        <a:t>0</a:t>
+                        <a:t>1</a:t>
                       </a:r>
                     </a:p>
                   </a:txBody>
@@ -4024,7 +4024,7 @@
                       <a:pPr algn="ctr"/>
                       <a:r>
                         <a:rPr lang="en-US" dirty="0"/>
-                        <a:t>1</a:t>
+                        <a:t>0</a:t>
                       </a:r>
                     </a:p>
                   </a:txBody>
